--- a/Programmation structurée/P2 - Définition de l'algorithme/Lecture et choix du tuteurs/Accépté/Mouad Kebyani.pptx
+++ b/Programmation structurée/P2 - Définition de l'algorithme/Lecture et choix du tuteurs/Accépté/Mouad Kebyani.pptx
@@ -110,7 +110,7 @@
   </p:defaultTextStyle>
   <p:extLst>
     <p:ext uri="{EFAFB233-063F-42B5-8137-9DF3F51BA10A}">
-      <p15:sldGuideLst xmlns:p15="http://schemas.microsoft.com/office/powerpoint/2012/main"/>
+      <p15:sldGuideLst xmlns:p15="http://schemas.microsoft.com/office/powerpoint/2012/main" xmlns=""/>
     </p:ext>
   </p:extLst>
 </p:presentation>
@@ -258,7 +258,8 @@
           <a:p>
             <a:fld id="{CAF0188A-A22A-4DBD-8356-8A6C988286E7}" type="datetimeFigureOut">
               <a:rPr lang="fr-FR" smtClean="0"/>
-              <a:t>14/09/2019</a:t>
+              <a:pPr/>
+              <a:t>16/09/2019</a:t>
             </a:fld>
             <a:endParaRPr lang="fr-FR"/>
           </a:p>
@@ -300,6 +301,7 @@
           <a:p>
             <a:fld id="{72D563F2-A679-452A-9D34-27F4CC9F1937}" type="slidenum">
               <a:rPr lang="fr-FR" smtClean="0"/>
+              <a:pPr/>
               <a:t>‹N°›</a:t>
             </a:fld>
             <a:endParaRPr lang="fr-FR"/>
@@ -309,7 +311,7 @@
     </p:spTree>
     <p:extLst>
       <p:ext uri="{BB962C8B-B14F-4D97-AF65-F5344CB8AC3E}">
-        <p14:creationId xmlns:p14="http://schemas.microsoft.com/office/powerpoint/2010/main" val="3896355059"/>
+        <p14:creationId xmlns:p14="http://schemas.microsoft.com/office/powerpoint/2010/main" xmlns="" val="3896355059"/>
       </p:ext>
     </p:extLst>
   </p:cSld>
@@ -428,7 +430,8 @@
           <a:p>
             <a:fld id="{CAF0188A-A22A-4DBD-8356-8A6C988286E7}" type="datetimeFigureOut">
               <a:rPr lang="fr-FR" smtClean="0"/>
-              <a:t>14/09/2019</a:t>
+              <a:pPr/>
+              <a:t>16/09/2019</a:t>
             </a:fld>
             <a:endParaRPr lang="fr-FR"/>
           </a:p>
@@ -470,6 +473,7 @@
           <a:p>
             <a:fld id="{72D563F2-A679-452A-9D34-27F4CC9F1937}" type="slidenum">
               <a:rPr lang="fr-FR" smtClean="0"/>
+              <a:pPr/>
               <a:t>‹N°›</a:t>
             </a:fld>
             <a:endParaRPr lang="fr-FR"/>
@@ -479,7 +483,7 @@
     </p:spTree>
     <p:extLst>
       <p:ext uri="{BB962C8B-B14F-4D97-AF65-F5344CB8AC3E}">
-        <p14:creationId xmlns:p14="http://schemas.microsoft.com/office/powerpoint/2010/main" val="1448618899"/>
+        <p14:creationId xmlns:p14="http://schemas.microsoft.com/office/powerpoint/2010/main" xmlns="" val="1448618899"/>
       </p:ext>
     </p:extLst>
   </p:cSld>
@@ -608,7 +612,8 @@
           <a:p>
             <a:fld id="{CAF0188A-A22A-4DBD-8356-8A6C988286E7}" type="datetimeFigureOut">
               <a:rPr lang="fr-FR" smtClean="0"/>
-              <a:t>14/09/2019</a:t>
+              <a:pPr/>
+              <a:t>16/09/2019</a:t>
             </a:fld>
             <a:endParaRPr lang="fr-FR"/>
           </a:p>
@@ -650,6 +655,7 @@
           <a:p>
             <a:fld id="{72D563F2-A679-452A-9D34-27F4CC9F1937}" type="slidenum">
               <a:rPr lang="fr-FR" smtClean="0"/>
+              <a:pPr/>
               <a:t>‹N°›</a:t>
             </a:fld>
             <a:endParaRPr lang="fr-FR"/>
@@ -659,7 +665,7 @@
     </p:spTree>
     <p:extLst>
       <p:ext uri="{BB962C8B-B14F-4D97-AF65-F5344CB8AC3E}">
-        <p14:creationId xmlns:p14="http://schemas.microsoft.com/office/powerpoint/2010/main" val="3988657920"/>
+        <p14:creationId xmlns:p14="http://schemas.microsoft.com/office/powerpoint/2010/main" xmlns="" val="3988657920"/>
       </p:ext>
     </p:extLst>
   </p:cSld>
@@ -1391,7 +1397,8 @@
           <a:p>
             <a:fld id="{CAF0188A-A22A-4DBD-8356-8A6C988286E7}" type="datetimeFigureOut">
               <a:rPr lang="fr-FR" smtClean="0"/>
-              <a:t>14/09/2019</a:t>
+              <a:pPr/>
+              <a:t>16/09/2019</a:t>
             </a:fld>
             <a:endParaRPr lang="fr-FR"/>
           </a:p>
@@ -1433,6 +1440,7 @@
           <a:p>
             <a:fld id="{72D563F2-A679-452A-9D34-27F4CC9F1937}" type="slidenum">
               <a:rPr lang="fr-FR" smtClean="0"/>
+              <a:pPr/>
               <a:t>‹N°›</a:t>
             </a:fld>
             <a:endParaRPr lang="fr-FR"/>
@@ -1442,7 +1450,7 @@
     </p:spTree>
     <p:extLst>
       <p:ext uri="{BB962C8B-B14F-4D97-AF65-F5344CB8AC3E}">
-        <p14:creationId xmlns:p14="http://schemas.microsoft.com/office/powerpoint/2010/main" val="479496398"/>
+        <p14:creationId xmlns:p14="http://schemas.microsoft.com/office/powerpoint/2010/main" xmlns="" val="479496398"/>
       </p:ext>
     </p:extLst>
   </p:cSld>
@@ -1567,7 +1575,8 @@
           <a:p>
             <a:fld id="{CAF0188A-A22A-4DBD-8356-8A6C988286E7}" type="datetimeFigureOut">
               <a:rPr lang="fr-FR" smtClean="0"/>
-              <a:t>14/09/2019</a:t>
+              <a:pPr/>
+              <a:t>16/09/2019</a:t>
             </a:fld>
             <a:endParaRPr lang="fr-FR"/>
           </a:p>
@@ -1609,6 +1618,7 @@
           <a:p>
             <a:fld id="{72D563F2-A679-452A-9D34-27F4CC9F1937}" type="slidenum">
               <a:rPr lang="fr-FR" smtClean="0"/>
+              <a:pPr/>
               <a:t>‹N°›</a:t>
             </a:fld>
             <a:endParaRPr lang="fr-FR"/>
@@ -1618,7 +1628,7 @@
     </p:spTree>
     <p:extLst>
       <p:ext uri="{BB962C8B-B14F-4D97-AF65-F5344CB8AC3E}">
-        <p14:creationId xmlns:p14="http://schemas.microsoft.com/office/powerpoint/2010/main" val="3804846029"/>
+        <p14:creationId xmlns:p14="http://schemas.microsoft.com/office/powerpoint/2010/main" xmlns="" val="3804846029"/>
       </p:ext>
     </p:extLst>
   </p:cSld>
@@ -1814,7 +1824,8 @@
           <a:p>
             <a:fld id="{CAF0188A-A22A-4DBD-8356-8A6C988286E7}" type="datetimeFigureOut">
               <a:rPr lang="fr-FR" smtClean="0"/>
-              <a:t>14/09/2019</a:t>
+              <a:pPr/>
+              <a:t>16/09/2019</a:t>
             </a:fld>
             <a:endParaRPr lang="fr-FR"/>
           </a:p>
@@ -1856,6 +1867,7 @@
           <a:p>
             <a:fld id="{72D563F2-A679-452A-9D34-27F4CC9F1937}" type="slidenum">
               <a:rPr lang="fr-FR" smtClean="0"/>
+              <a:pPr/>
               <a:t>‹N°›</a:t>
             </a:fld>
             <a:endParaRPr lang="fr-FR"/>
@@ -1865,7 +1877,7 @@
     </p:spTree>
     <p:extLst>
       <p:ext uri="{BB962C8B-B14F-4D97-AF65-F5344CB8AC3E}">
-        <p14:creationId xmlns:p14="http://schemas.microsoft.com/office/powerpoint/2010/main" val="2656058899"/>
+        <p14:creationId xmlns:p14="http://schemas.microsoft.com/office/powerpoint/2010/main" xmlns="" val="2656058899"/>
       </p:ext>
     </p:extLst>
   </p:cSld>
@@ -2046,7 +2058,8 @@
           <a:p>
             <a:fld id="{CAF0188A-A22A-4DBD-8356-8A6C988286E7}" type="datetimeFigureOut">
               <a:rPr lang="fr-FR" smtClean="0"/>
-              <a:t>14/09/2019</a:t>
+              <a:pPr/>
+              <a:t>16/09/2019</a:t>
             </a:fld>
             <a:endParaRPr lang="fr-FR"/>
           </a:p>
@@ -2088,6 +2101,7 @@
           <a:p>
             <a:fld id="{72D563F2-A679-452A-9D34-27F4CC9F1937}" type="slidenum">
               <a:rPr lang="fr-FR" smtClean="0"/>
+              <a:pPr/>
               <a:t>‹N°›</a:t>
             </a:fld>
             <a:endParaRPr lang="fr-FR"/>
@@ -2097,7 +2111,7 @@
     </p:spTree>
     <p:extLst>
       <p:ext uri="{BB962C8B-B14F-4D97-AF65-F5344CB8AC3E}">
-        <p14:creationId xmlns:p14="http://schemas.microsoft.com/office/powerpoint/2010/main" val="3771489927"/>
+        <p14:creationId xmlns:p14="http://schemas.microsoft.com/office/powerpoint/2010/main" xmlns="" val="3771489927"/>
       </p:ext>
     </p:extLst>
   </p:cSld>
@@ -2420,7 +2434,8 @@
           <a:p>
             <a:fld id="{CAF0188A-A22A-4DBD-8356-8A6C988286E7}" type="datetimeFigureOut">
               <a:rPr lang="fr-FR" smtClean="0"/>
-              <a:t>14/09/2019</a:t>
+              <a:pPr/>
+              <a:t>16/09/2019</a:t>
             </a:fld>
             <a:endParaRPr lang="fr-FR"/>
           </a:p>
@@ -2462,6 +2477,7 @@
           <a:p>
             <a:fld id="{72D563F2-A679-452A-9D34-27F4CC9F1937}" type="slidenum">
               <a:rPr lang="fr-FR" smtClean="0"/>
+              <a:pPr/>
               <a:t>‹N°›</a:t>
             </a:fld>
             <a:endParaRPr lang="fr-FR"/>
@@ -2471,7 +2487,7 @@
     </p:spTree>
     <p:extLst>
       <p:ext uri="{BB962C8B-B14F-4D97-AF65-F5344CB8AC3E}">
-        <p14:creationId xmlns:p14="http://schemas.microsoft.com/office/powerpoint/2010/main" val="64353693"/>
+        <p14:creationId xmlns:p14="http://schemas.microsoft.com/office/powerpoint/2010/main" xmlns="" val="64353693"/>
       </p:ext>
     </p:extLst>
   </p:cSld>
@@ -2543,7 +2559,8 @@
           <a:p>
             <a:fld id="{CAF0188A-A22A-4DBD-8356-8A6C988286E7}" type="datetimeFigureOut">
               <a:rPr lang="fr-FR" smtClean="0"/>
-              <a:t>14/09/2019</a:t>
+              <a:pPr/>
+              <a:t>16/09/2019</a:t>
             </a:fld>
             <a:endParaRPr lang="fr-FR"/>
           </a:p>
@@ -2585,6 +2602,7 @@
           <a:p>
             <a:fld id="{72D563F2-A679-452A-9D34-27F4CC9F1937}" type="slidenum">
               <a:rPr lang="fr-FR" smtClean="0"/>
+              <a:pPr/>
               <a:t>‹N°›</a:t>
             </a:fld>
             <a:endParaRPr lang="fr-FR"/>
@@ -2594,7 +2612,7 @@
     </p:spTree>
     <p:extLst>
       <p:ext uri="{BB962C8B-B14F-4D97-AF65-F5344CB8AC3E}">
-        <p14:creationId xmlns:p14="http://schemas.microsoft.com/office/powerpoint/2010/main" val="3580456102"/>
+        <p14:creationId xmlns:p14="http://schemas.microsoft.com/office/powerpoint/2010/main" xmlns="" val="3580456102"/>
       </p:ext>
     </p:extLst>
   </p:cSld>
@@ -2638,7 +2656,8 @@
           <a:p>
             <a:fld id="{CAF0188A-A22A-4DBD-8356-8A6C988286E7}" type="datetimeFigureOut">
               <a:rPr lang="fr-FR" smtClean="0"/>
-              <a:t>14/09/2019</a:t>
+              <a:pPr/>
+              <a:t>16/09/2019</a:t>
             </a:fld>
             <a:endParaRPr lang="fr-FR"/>
           </a:p>
@@ -2680,6 +2699,7 @@
           <a:p>
             <a:fld id="{72D563F2-A679-452A-9D34-27F4CC9F1937}" type="slidenum">
               <a:rPr lang="fr-FR" smtClean="0"/>
+              <a:pPr/>
               <a:t>‹N°›</a:t>
             </a:fld>
             <a:endParaRPr lang="fr-FR"/>
@@ -2689,7 +2709,7 @@
     </p:spTree>
     <p:extLst>
       <p:ext uri="{BB962C8B-B14F-4D97-AF65-F5344CB8AC3E}">
-        <p14:creationId xmlns:p14="http://schemas.microsoft.com/office/powerpoint/2010/main" val="3848817799"/>
+        <p14:creationId xmlns:p14="http://schemas.microsoft.com/office/powerpoint/2010/main" xmlns="" val="3848817799"/>
       </p:ext>
     </p:extLst>
   </p:cSld>
@@ -2893,7 +2913,8 @@
           <a:p>
             <a:fld id="{CAF0188A-A22A-4DBD-8356-8A6C988286E7}" type="datetimeFigureOut">
               <a:rPr lang="fr-FR" smtClean="0"/>
-              <a:t>14/09/2019</a:t>
+              <a:pPr/>
+              <a:t>16/09/2019</a:t>
             </a:fld>
             <a:endParaRPr lang="fr-FR"/>
           </a:p>
@@ -2935,6 +2956,7 @@
           <a:p>
             <a:fld id="{72D563F2-A679-452A-9D34-27F4CC9F1937}" type="slidenum">
               <a:rPr lang="fr-FR" smtClean="0"/>
+              <a:pPr/>
               <a:t>‹N°›</a:t>
             </a:fld>
             <a:endParaRPr lang="fr-FR"/>
@@ -2944,7 +2966,7 @@
     </p:spTree>
     <p:extLst>
       <p:ext uri="{BB962C8B-B14F-4D97-AF65-F5344CB8AC3E}">
-        <p14:creationId xmlns:p14="http://schemas.microsoft.com/office/powerpoint/2010/main" val="1696873745"/>
+        <p14:creationId xmlns:p14="http://schemas.microsoft.com/office/powerpoint/2010/main" xmlns="" val="1696873745"/>
       </p:ext>
     </p:extLst>
   </p:cSld>
@@ -3063,7 +3085,8 @@
           <a:p>
             <a:fld id="{CAF0188A-A22A-4DBD-8356-8A6C988286E7}" type="datetimeFigureOut">
               <a:rPr lang="fr-FR" smtClean="0"/>
-              <a:t>14/09/2019</a:t>
+              <a:pPr/>
+              <a:t>16/09/2019</a:t>
             </a:fld>
             <a:endParaRPr lang="fr-FR"/>
           </a:p>
@@ -3105,6 +3128,7 @@
           <a:p>
             <a:fld id="{72D563F2-A679-452A-9D34-27F4CC9F1937}" type="slidenum">
               <a:rPr lang="fr-FR" smtClean="0"/>
+              <a:pPr/>
               <a:t>‹N°›</a:t>
             </a:fld>
             <a:endParaRPr lang="fr-FR"/>
@@ -3114,7 +3138,7 @@
     </p:spTree>
     <p:extLst>
       <p:ext uri="{BB962C8B-B14F-4D97-AF65-F5344CB8AC3E}">
-        <p14:creationId xmlns:p14="http://schemas.microsoft.com/office/powerpoint/2010/main" val="1655773502"/>
+        <p14:creationId xmlns:p14="http://schemas.microsoft.com/office/powerpoint/2010/main" xmlns="" val="1655773502"/>
       </p:ext>
     </p:extLst>
   </p:cSld>
@@ -3326,7 +3350,8 @@
           <a:p>
             <a:fld id="{CAF0188A-A22A-4DBD-8356-8A6C988286E7}" type="datetimeFigureOut">
               <a:rPr lang="fr-FR" smtClean="0"/>
-              <a:t>14/09/2019</a:t>
+              <a:pPr/>
+              <a:t>16/09/2019</a:t>
             </a:fld>
             <a:endParaRPr lang="fr-FR"/>
           </a:p>
@@ -3368,6 +3393,7 @@
           <a:p>
             <a:fld id="{72D563F2-A679-452A-9D34-27F4CC9F1937}" type="slidenum">
               <a:rPr lang="fr-FR" smtClean="0"/>
+              <a:pPr/>
               <a:t>‹N°›</a:t>
             </a:fld>
             <a:endParaRPr lang="fr-FR"/>
@@ -3377,7 +3403,7 @@
     </p:spTree>
     <p:extLst>
       <p:ext uri="{BB962C8B-B14F-4D97-AF65-F5344CB8AC3E}">
-        <p14:creationId xmlns:p14="http://schemas.microsoft.com/office/powerpoint/2010/main" val="2374700278"/>
+        <p14:creationId xmlns:p14="http://schemas.microsoft.com/office/powerpoint/2010/main" xmlns="" val="2374700278"/>
       </p:ext>
     </p:extLst>
   </p:cSld>
@@ -3577,7 +3603,8 @@
           <a:p>
             <a:fld id="{CAF0188A-A22A-4DBD-8356-8A6C988286E7}" type="datetimeFigureOut">
               <a:rPr lang="fr-FR" smtClean="0"/>
-              <a:t>14/09/2019</a:t>
+              <a:pPr/>
+              <a:t>16/09/2019</a:t>
             </a:fld>
             <a:endParaRPr lang="fr-FR"/>
           </a:p>
@@ -3619,6 +3646,7 @@
           <a:p>
             <a:fld id="{72D563F2-A679-452A-9D34-27F4CC9F1937}" type="slidenum">
               <a:rPr lang="fr-FR" smtClean="0"/>
+              <a:pPr/>
               <a:t>‹N°›</a:t>
             </a:fld>
             <a:endParaRPr lang="fr-FR"/>
@@ -3628,7 +3656,7 @@
     </p:spTree>
     <p:extLst>
       <p:ext uri="{BB962C8B-B14F-4D97-AF65-F5344CB8AC3E}">
-        <p14:creationId xmlns:p14="http://schemas.microsoft.com/office/powerpoint/2010/main" val="3071100294"/>
+        <p14:creationId xmlns:p14="http://schemas.microsoft.com/office/powerpoint/2010/main" xmlns="" val="3071100294"/>
       </p:ext>
     </p:extLst>
   </p:cSld>
@@ -3891,7 +3919,8 @@
           <a:p>
             <a:fld id="{CAF0188A-A22A-4DBD-8356-8A6C988286E7}" type="datetimeFigureOut">
               <a:rPr lang="fr-FR" smtClean="0"/>
-              <a:t>14/09/2019</a:t>
+              <a:pPr/>
+              <a:t>16/09/2019</a:t>
             </a:fld>
             <a:endParaRPr lang="fr-FR"/>
           </a:p>
@@ -3933,6 +3962,7 @@
           <a:p>
             <a:fld id="{72D563F2-A679-452A-9D34-27F4CC9F1937}" type="slidenum">
               <a:rPr lang="fr-FR" smtClean="0"/>
+              <a:pPr/>
               <a:t>‹N°›</a:t>
             </a:fld>
             <a:endParaRPr lang="fr-FR"/>
@@ -4032,7 +4062,7 @@
     </p:spTree>
     <p:extLst>
       <p:ext uri="{BB962C8B-B14F-4D97-AF65-F5344CB8AC3E}">
-        <p14:creationId xmlns:p14="http://schemas.microsoft.com/office/powerpoint/2010/main" val="3060571661"/>
+        <p14:creationId xmlns:p14="http://schemas.microsoft.com/office/powerpoint/2010/main" xmlns="" val="3060571661"/>
       </p:ext>
     </p:extLst>
   </p:cSld>
@@ -4232,7 +4262,8 @@
           <a:p>
             <a:fld id="{CAF0188A-A22A-4DBD-8356-8A6C988286E7}" type="datetimeFigureOut">
               <a:rPr lang="fr-FR" smtClean="0"/>
-              <a:t>14/09/2019</a:t>
+              <a:pPr/>
+              <a:t>16/09/2019</a:t>
             </a:fld>
             <a:endParaRPr lang="fr-FR"/>
           </a:p>
@@ -4274,6 +4305,7 @@
           <a:p>
             <a:fld id="{72D563F2-A679-452A-9D34-27F4CC9F1937}" type="slidenum">
               <a:rPr lang="fr-FR" smtClean="0"/>
+              <a:pPr/>
               <a:t>‹N°›</a:t>
             </a:fld>
             <a:endParaRPr lang="fr-FR"/>
@@ -4283,7 +4315,7 @@
     </p:spTree>
     <p:extLst>
       <p:ext uri="{BB962C8B-B14F-4D97-AF65-F5344CB8AC3E}">
-        <p14:creationId xmlns:p14="http://schemas.microsoft.com/office/powerpoint/2010/main" val="1164797077"/>
+        <p14:creationId xmlns:p14="http://schemas.microsoft.com/office/powerpoint/2010/main" xmlns="" val="1164797077"/>
       </p:ext>
     </p:extLst>
   </p:cSld>
@@ -4546,7 +4578,8 @@
           <a:p>
             <a:fld id="{CAF0188A-A22A-4DBD-8356-8A6C988286E7}" type="datetimeFigureOut">
               <a:rPr lang="fr-FR" smtClean="0"/>
-              <a:t>14/09/2019</a:t>
+              <a:pPr/>
+              <a:t>16/09/2019</a:t>
             </a:fld>
             <a:endParaRPr lang="fr-FR"/>
           </a:p>
@@ -4588,6 +4621,7 @@
           <a:p>
             <a:fld id="{72D563F2-A679-452A-9D34-27F4CC9F1937}" type="slidenum">
               <a:rPr lang="fr-FR" smtClean="0"/>
+              <a:pPr/>
               <a:t>‹N°›</a:t>
             </a:fld>
             <a:endParaRPr lang="fr-FR"/>
@@ -4679,7 +4713,7 @@
     </p:spTree>
     <p:extLst>
       <p:ext uri="{BB962C8B-B14F-4D97-AF65-F5344CB8AC3E}">
-        <p14:creationId xmlns:p14="http://schemas.microsoft.com/office/powerpoint/2010/main" val="2621312434"/>
+        <p14:creationId xmlns:p14="http://schemas.microsoft.com/office/powerpoint/2010/main" xmlns="" val="2621312434"/>
       </p:ext>
     </p:extLst>
   </p:cSld>
@@ -4939,7 +4973,8 @@
           <a:p>
             <a:fld id="{CAF0188A-A22A-4DBD-8356-8A6C988286E7}" type="datetimeFigureOut">
               <a:rPr lang="fr-FR" smtClean="0"/>
-              <a:t>14/09/2019</a:t>
+              <a:pPr/>
+              <a:t>16/09/2019</a:t>
             </a:fld>
             <a:endParaRPr lang="fr-FR"/>
           </a:p>
@@ -4981,6 +5016,7 @@
           <a:p>
             <a:fld id="{72D563F2-A679-452A-9D34-27F4CC9F1937}" type="slidenum">
               <a:rPr lang="fr-FR" smtClean="0"/>
+              <a:pPr/>
               <a:t>‹N°›</a:t>
             </a:fld>
             <a:endParaRPr lang="fr-FR"/>
@@ -4990,7 +5026,7 @@
     </p:spTree>
     <p:extLst>
       <p:ext uri="{BB962C8B-B14F-4D97-AF65-F5344CB8AC3E}">
-        <p14:creationId xmlns:p14="http://schemas.microsoft.com/office/powerpoint/2010/main" val="2131389673"/>
+        <p14:creationId xmlns:p14="http://schemas.microsoft.com/office/powerpoint/2010/main" xmlns="" val="2131389673"/>
       </p:ext>
     </p:extLst>
   </p:cSld>
@@ -5109,7 +5145,8 @@
           <a:p>
             <a:fld id="{CAF0188A-A22A-4DBD-8356-8A6C988286E7}" type="datetimeFigureOut">
               <a:rPr lang="fr-FR" smtClean="0"/>
-              <a:t>14/09/2019</a:t>
+              <a:pPr/>
+              <a:t>16/09/2019</a:t>
             </a:fld>
             <a:endParaRPr lang="fr-FR"/>
           </a:p>
@@ -5151,6 +5188,7 @@
           <a:p>
             <a:fld id="{72D563F2-A679-452A-9D34-27F4CC9F1937}" type="slidenum">
               <a:rPr lang="fr-FR" smtClean="0"/>
+              <a:pPr/>
               <a:t>‹N°›</a:t>
             </a:fld>
             <a:endParaRPr lang="fr-FR"/>
@@ -5160,7 +5198,7 @@
     </p:spTree>
     <p:extLst>
       <p:ext uri="{BB962C8B-B14F-4D97-AF65-F5344CB8AC3E}">
-        <p14:creationId xmlns:p14="http://schemas.microsoft.com/office/powerpoint/2010/main" val="768013312"/>
+        <p14:creationId xmlns:p14="http://schemas.microsoft.com/office/powerpoint/2010/main" xmlns="" val="768013312"/>
       </p:ext>
     </p:extLst>
   </p:cSld>
@@ -5289,7 +5327,8 @@
           <a:p>
             <a:fld id="{CAF0188A-A22A-4DBD-8356-8A6C988286E7}" type="datetimeFigureOut">
               <a:rPr lang="fr-FR" smtClean="0"/>
-              <a:t>14/09/2019</a:t>
+              <a:pPr/>
+              <a:t>16/09/2019</a:t>
             </a:fld>
             <a:endParaRPr lang="fr-FR"/>
           </a:p>
@@ -5331,6 +5370,7 @@
           <a:p>
             <a:fld id="{72D563F2-A679-452A-9D34-27F4CC9F1937}" type="slidenum">
               <a:rPr lang="fr-FR" smtClean="0"/>
+              <a:pPr/>
               <a:t>‹N°›</a:t>
             </a:fld>
             <a:endParaRPr lang="fr-FR"/>
@@ -5340,7 +5380,7 @@
     </p:spTree>
     <p:extLst>
       <p:ext uri="{BB962C8B-B14F-4D97-AF65-F5344CB8AC3E}">
-        <p14:creationId xmlns:p14="http://schemas.microsoft.com/office/powerpoint/2010/main" val="2132132807"/>
+        <p14:creationId xmlns:p14="http://schemas.microsoft.com/office/powerpoint/2010/main" xmlns="" val="2132132807"/>
       </p:ext>
     </p:extLst>
   </p:cSld>
@@ -5540,7 +5580,8 @@
           <a:p>
             <a:fld id="{CAF0188A-A22A-4DBD-8356-8A6C988286E7}" type="datetimeFigureOut">
               <a:rPr lang="fr-FR" smtClean="0"/>
-              <a:t>14/09/2019</a:t>
+              <a:pPr/>
+              <a:t>16/09/2019</a:t>
             </a:fld>
             <a:endParaRPr lang="fr-FR"/>
           </a:p>
@@ -5582,6 +5623,7 @@
           <a:p>
             <a:fld id="{72D563F2-A679-452A-9D34-27F4CC9F1937}" type="slidenum">
               <a:rPr lang="fr-FR" smtClean="0"/>
+              <a:pPr/>
               <a:t>‹N°›</a:t>
             </a:fld>
             <a:endParaRPr lang="fr-FR"/>
@@ -5591,7 +5633,7 @@
     </p:spTree>
     <p:extLst>
       <p:ext uri="{BB962C8B-B14F-4D97-AF65-F5344CB8AC3E}">
-        <p14:creationId xmlns:p14="http://schemas.microsoft.com/office/powerpoint/2010/main" val="3515885356"/>
+        <p14:creationId xmlns:p14="http://schemas.microsoft.com/office/powerpoint/2010/main" xmlns="" val="3515885356"/>
       </p:ext>
     </p:extLst>
   </p:cSld>
@@ -5772,7 +5814,8 @@
           <a:p>
             <a:fld id="{CAF0188A-A22A-4DBD-8356-8A6C988286E7}" type="datetimeFigureOut">
               <a:rPr lang="fr-FR" smtClean="0"/>
-              <a:t>14/09/2019</a:t>
+              <a:pPr/>
+              <a:t>16/09/2019</a:t>
             </a:fld>
             <a:endParaRPr lang="fr-FR"/>
           </a:p>
@@ -5814,6 +5857,7 @@
           <a:p>
             <a:fld id="{72D563F2-A679-452A-9D34-27F4CC9F1937}" type="slidenum">
               <a:rPr lang="fr-FR" smtClean="0"/>
+              <a:pPr/>
               <a:t>‹N°›</a:t>
             </a:fld>
             <a:endParaRPr lang="fr-FR"/>
@@ -5823,7 +5867,7 @@
     </p:spTree>
     <p:extLst>
       <p:ext uri="{BB962C8B-B14F-4D97-AF65-F5344CB8AC3E}">
-        <p14:creationId xmlns:p14="http://schemas.microsoft.com/office/powerpoint/2010/main" val="848522120"/>
+        <p14:creationId xmlns:p14="http://schemas.microsoft.com/office/powerpoint/2010/main" xmlns="" val="848522120"/>
       </p:ext>
     </p:extLst>
   </p:cSld>
@@ -6119,7 +6163,8 @@
           <a:p>
             <a:fld id="{CAF0188A-A22A-4DBD-8356-8A6C988286E7}" type="datetimeFigureOut">
               <a:rPr lang="fr-FR" smtClean="0"/>
-              <a:t>14/09/2019</a:t>
+              <a:pPr/>
+              <a:t>16/09/2019</a:t>
             </a:fld>
             <a:endParaRPr lang="fr-FR"/>
           </a:p>
@@ -6161,6 +6206,7 @@
           <a:p>
             <a:fld id="{72D563F2-A679-452A-9D34-27F4CC9F1937}" type="slidenum">
               <a:rPr lang="fr-FR" smtClean="0"/>
+              <a:pPr/>
               <a:t>‹N°›</a:t>
             </a:fld>
             <a:endParaRPr lang="fr-FR"/>
@@ -6193,7 +6239,7 @@
     </p:spTree>
     <p:extLst>
       <p:ext uri="{BB962C8B-B14F-4D97-AF65-F5344CB8AC3E}">
-        <p14:creationId xmlns:p14="http://schemas.microsoft.com/office/powerpoint/2010/main" val="1865286779"/>
+        <p14:creationId xmlns:p14="http://schemas.microsoft.com/office/powerpoint/2010/main" xmlns="" val="1865286779"/>
       </p:ext>
     </p:extLst>
   </p:cSld>
@@ -6237,7 +6283,8 @@
           <a:p>
             <a:fld id="{CAF0188A-A22A-4DBD-8356-8A6C988286E7}" type="datetimeFigureOut">
               <a:rPr lang="fr-FR" smtClean="0"/>
-              <a:t>14/09/2019</a:t>
+              <a:pPr/>
+              <a:t>16/09/2019</a:t>
             </a:fld>
             <a:endParaRPr lang="fr-FR"/>
           </a:p>
@@ -6279,6 +6326,7 @@
           <a:p>
             <a:fld id="{72D563F2-A679-452A-9D34-27F4CC9F1937}" type="slidenum">
               <a:rPr lang="fr-FR" smtClean="0"/>
+              <a:pPr/>
               <a:t>‹N°›</a:t>
             </a:fld>
             <a:endParaRPr lang="fr-FR"/>
@@ -6311,7 +6359,7 @@
     </p:spTree>
     <p:extLst>
       <p:ext uri="{BB962C8B-B14F-4D97-AF65-F5344CB8AC3E}">
-        <p14:creationId xmlns:p14="http://schemas.microsoft.com/office/powerpoint/2010/main" val="1841807164"/>
+        <p14:creationId xmlns:p14="http://schemas.microsoft.com/office/powerpoint/2010/main" xmlns="" val="1841807164"/>
       </p:ext>
     </p:extLst>
   </p:cSld>
@@ -6355,7 +6403,8 @@
           <a:p>
             <a:fld id="{CAF0188A-A22A-4DBD-8356-8A6C988286E7}" type="datetimeFigureOut">
               <a:rPr lang="fr-FR" smtClean="0"/>
-              <a:t>14/09/2019</a:t>
+              <a:pPr/>
+              <a:t>16/09/2019</a:t>
             </a:fld>
             <a:endParaRPr lang="fr-FR"/>
           </a:p>
@@ -6397,6 +6446,7 @@
           <a:p>
             <a:fld id="{72D563F2-A679-452A-9D34-27F4CC9F1937}" type="slidenum">
               <a:rPr lang="fr-FR" smtClean="0"/>
+              <a:pPr/>
               <a:t>‹N°›</a:t>
             </a:fld>
             <a:endParaRPr lang="fr-FR"/>
@@ -6406,7 +6456,7 @@
     </p:spTree>
     <p:extLst>
       <p:ext uri="{BB962C8B-B14F-4D97-AF65-F5344CB8AC3E}">
-        <p14:creationId xmlns:p14="http://schemas.microsoft.com/office/powerpoint/2010/main" val="3019329543"/>
+        <p14:creationId xmlns:p14="http://schemas.microsoft.com/office/powerpoint/2010/main" xmlns="" val="3019329543"/>
       </p:ext>
     </p:extLst>
   </p:cSld>
@@ -6639,7 +6689,8 @@
           <a:p>
             <a:fld id="{CAF0188A-A22A-4DBD-8356-8A6C988286E7}" type="datetimeFigureOut">
               <a:rPr lang="fr-FR" smtClean="0"/>
-              <a:t>14/09/2019</a:t>
+              <a:pPr/>
+              <a:t>16/09/2019</a:t>
             </a:fld>
             <a:endParaRPr lang="fr-FR"/>
           </a:p>
@@ -6681,6 +6732,7 @@
           <a:p>
             <a:fld id="{72D563F2-A679-452A-9D34-27F4CC9F1937}" type="slidenum">
               <a:rPr lang="fr-FR" smtClean="0"/>
+              <a:pPr/>
               <a:t>‹N°›</a:t>
             </a:fld>
             <a:endParaRPr lang="fr-FR"/>
@@ -6690,7 +6742,7 @@
     </p:spTree>
     <p:extLst>
       <p:ext uri="{BB962C8B-B14F-4D97-AF65-F5344CB8AC3E}">
-        <p14:creationId xmlns:p14="http://schemas.microsoft.com/office/powerpoint/2010/main" val="2525336286"/>
+        <p14:creationId xmlns:p14="http://schemas.microsoft.com/office/powerpoint/2010/main" xmlns="" val="2525336286"/>
       </p:ext>
     </p:extLst>
   </p:cSld>
@@ -6903,7 +6955,8 @@
           <a:p>
             <a:fld id="{CAF0188A-A22A-4DBD-8356-8A6C988286E7}" type="datetimeFigureOut">
               <a:rPr lang="fr-FR" smtClean="0"/>
-              <a:t>14/09/2019</a:t>
+              <a:pPr/>
+              <a:t>16/09/2019</a:t>
             </a:fld>
             <a:endParaRPr lang="fr-FR"/>
           </a:p>
@@ -6945,6 +6998,7 @@
           <a:p>
             <a:fld id="{72D563F2-A679-452A-9D34-27F4CC9F1937}" type="slidenum">
               <a:rPr lang="fr-FR" smtClean="0"/>
+              <a:pPr/>
               <a:t>‹N°›</a:t>
             </a:fld>
             <a:endParaRPr lang="fr-FR"/>
@@ -6954,7 +7008,7 @@
     </p:spTree>
     <p:extLst>
       <p:ext uri="{BB962C8B-B14F-4D97-AF65-F5344CB8AC3E}">
-        <p14:creationId xmlns:p14="http://schemas.microsoft.com/office/powerpoint/2010/main" val="2096606521"/>
+        <p14:creationId xmlns:p14="http://schemas.microsoft.com/office/powerpoint/2010/main" xmlns="" val="2096606521"/>
       </p:ext>
     </p:extLst>
   </p:cSld>
@@ -7117,7 +7171,8 @@
           <a:p>
             <a:fld id="{CAF0188A-A22A-4DBD-8356-8A6C988286E7}" type="datetimeFigureOut">
               <a:rPr lang="fr-FR" smtClean="0"/>
-              <a:t>14/09/2019</a:t>
+              <a:pPr/>
+              <a:t>16/09/2019</a:t>
             </a:fld>
             <a:endParaRPr lang="fr-FR"/>
           </a:p>
@@ -7196,6 +7251,7 @@
           <a:p>
             <a:fld id="{72D563F2-A679-452A-9D34-27F4CC9F1937}" type="slidenum">
               <a:rPr lang="fr-FR" smtClean="0"/>
+              <a:pPr/>
               <a:t>‹N°›</a:t>
             </a:fld>
             <a:endParaRPr lang="fr-FR"/>
@@ -7205,7 +7261,7 @@
     </p:spTree>
     <p:extLst>
       <p:ext uri="{BB962C8B-B14F-4D97-AF65-F5344CB8AC3E}">
-        <p14:creationId xmlns:p14="http://schemas.microsoft.com/office/powerpoint/2010/main" val="3293618458"/>
+        <p14:creationId xmlns:p14="http://schemas.microsoft.com/office/powerpoint/2010/main" xmlns="" val="3293618458"/>
       </p:ext>
     </p:extLst>
   </p:cSld>
@@ -8176,7 +8232,8 @@
           <a:p>
             <a:fld id="{CAF0188A-A22A-4DBD-8356-8A6C988286E7}" type="datetimeFigureOut">
               <a:rPr lang="fr-FR" smtClean="0"/>
-              <a:t>14/09/2019</a:t>
+              <a:pPr/>
+              <a:t>16/09/2019</a:t>
             </a:fld>
             <a:endParaRPr lang="fr-FR"/>
           </a:p>
@@ -8252,6 +8309,7 @@
           <a:p>
             <a:fld id="{72D563F2-A679-452A-9D34-27F4CC9F1937}" type="slidenum">
               <a:rPr lang="fr-FR" smtClean="0"/>
+              <a:pPr/>
               <a:t>‹N°›</a:t>
             </a:fld>
             <a:endParaRPr lang="fr-FR"/>
@@ -8261,7 +8319,7 @@
     </p:spTree>
     <p:extLst>
       <p:ext uri="{BB962C8B-B14F-4D97-AF65-F5344CB8AC3E}">
-        <p14:creationId xmlns:p14="http://schemas.microsoft.com/office/powerpoint/2010/main" val="3720369351"/>
+        <p14:creationId xmlns:p14="http://schemas.microsoft.com/office/powerpoint/2010/main" xmlns="" val="3720369351"/>
       </p:ext>
     </p:extLst>
   </p:cSld>
@@ -8705,7 +8763,7 @@
           <p:cNvPr id="3" name="Sous-titre 2">
             <a:extLst>
               <a:ext uri="{FF2B5EF4-FFF2-40B4-BE49-F238E27FC236}">
-                <a16:creationId xmlns:a16="http://schemas.microsoft.com/office/drawing/2014/main" id="{0D639037-377A-4F22-8D63-2DAB6013A2D0}"/>
+                <a16:creationId xmlns:a16="http://schemas.microsoft.com/office/drawing/2014/main" xmlns="" id="{0D639037-377A-4F22-8D63-2DAB6013A2D0}"/>
               </a:ext>
             </a:extLst>
           </p:cNvPr>
@@ -8818,7 +8876,7 @@
     </p:spTree>
     <p:extLst>
       <p:ext uri="{BB962C8B-B14F-4D97-AF65-F5344CB8AC3E}">
-        <p14:creationId xmlns:p14="http://schemas.microsoft.com/office/powerpoint/2010/main" val="2850727226"/>
+        <p14:creationId xmlns:p14="http://schemas.microsoft.com/office/powerpoint/2010/main" xmlns="" val="2850727226"/>
       </p:ext>
     </p:extLst>
   </p:cSld>
@@ -8850,7 +8908,7 @@
           <p:cNvPr id="3" name="Espace réservé du contenu 2">
             <a:extLst>
               <a:ext uri="{FF2B5EF4-FFF2-40B4-BE49-F238E27FC236}">
-                <a16:creationId xmlns:a16="http://schemas.microsoft.com/office/drawing/2014/main" id="{7DA97392-9C90-45C5-858E-16D968272581}"/>
+                <a16:creationId xmlns:a16="http://schemas.microsoft.com/office/drawing/2014/main" xmlns="" id="{7DA97392-9C90-45C5-858E-16D968272581}"/>
               </a:ext>
             </a:extLst>
           </p:cNvPr>
@@ -8905,20 +8963,20 @@
     </p:spTree>
     <p:extLst>
       <p:ext uri="{BB962C8B-B14F-4D97-AF65-F5344CB8AC3E}">
-        <p14:creationId xmlns:p14="http://schemas.microsoft.com/office/powerpoint/2010/main" val="736619081"/>
+        <p14:creationId xmlns:p14="http://schemas.microsoft.com/office/powerpoint/2010/main" xmlns="" val="736619081"/>
       </p:ext>
     </p:extLst>
   </p:cSld>
   <p:clrMapOvr>
     <a:masterClrMapping/>
   </p:clrMapOvr>
-  <mc:AlternateContent xmlns:mc="http://schemas.openxmlformats.org/markup-compatibility/2006" xmlns:p14="http://schemas.microsoft.com/office/powerpoint/2010/main">
-    <mc:Choice Requires="p14">
+  <mc:AlternateContent xmlns:mc="http://schemas.openxmlformats.org/markup-compatibility/2006">
+    <mc:Choice xmlns:p14="http://schemas.microsoft.com/office/powerpoint/2010/main" xmlns="" Requires="p14">
       <p:transition spd="slow" p14:dur="3900">
         <p14:glitter pattern="hexagon"/>
       </p:transition>
     </mc:Choice>
-    <mc:Fallback xmlns="">
+    <mc:Fallback>
       <p:transition spd="slow">
         <p:fade/>
       </p:transition>
@@ -8949,7 +9007,7 @@
           <p:cNvPr id="2" name="Titre 1">
             <a:extLst>
               <a:ext uri="{FF2B5EF4-FFF2-40B4-BE49-F238E27FC236}">
-                <a16:creationId xmlns:a16="http://schemas.microsoft.com/office/drawing/2014/main" id="{449E5881-90D8-4BAB-ABB5-C2447D658BA7}"/>
+                <a16:creationId xmlns:a16="http://schemas.microsoft.com/office/drawing/2014/main" xmlns="" id="{449E5881-90D8-4BAB-ABB5-C2447D658BA7}"/>
               </a:ext>
             </a:extLst>
           </p:cNvPr>
@@ -8996,7 +9054,7 @@
           <p:cNvPr id="3" name="Sous-titre 2">
             <a:extLst>
               <a:ext uri="{FF2B5EF4-FFF2-40B4-BE49-F238E27FC236}">
-                <a16:creationId xmlns:a16="http://schemas.microsoft.com/office/drawing/2014/main" id="{F6DA71C5-7209-4B9D-A406-159F12E5DAEB}"/>
+                <a16:creationId xmlns:a16="http://schemas.microsoft.com/office/drawing/2014/main" xmlns="" id="{F6DA71C5-7209-4B9D-A406-159F12E5DAEB}"/>
               </a:ext>
             </a:extLst>
           </p:cNvPr>
@@ -9058,20 +9116,20 @@
     </p:spTree>
     <p:extLst>
       <p:ext uri="{BB962C8B-B14F-4D97-AF65-F5344CB8AC3E}">
-        <p14:creationId xmlns:p14="http://schemas.microsoft.com/office/powerpoint/2010/main" val="2903742622"/>
+        <p14:creationId xmlns:p14="http://schemas.microsoft.com/office/powerpoint/2010/main" xmlns="" val="2903742622"/>
       </p:ext>
     </p:extLst>
   </p:cSld>
   <p:clrMapOvr>
     <a:masterClrMapping/>
   </p:clrMapOvr>
-  <mc:AlternateContent xmlns:mc="http://schemas.openxmlformats.org/markup-compatibility/2006" xmlns:p15="http://schemas.microsoft.com/office/powerpoint/2012/main">
-    <mc:Choice Requires="p15">
+  <mc:AlternateContent xmlns:mc="http://schemas.openxmlformats.org/markup-compatibility/2006">
+    <mc:Choice xmlns:p15="http://schemas.microsoft.com/office/powerpoint/2012/main" xmlns="" Requires="p15">
       <p:transition xmlns:p14="http://schemas.microsoft.com/office/powerpoint/2010/main" spd="slow" p14:dur="2000">
         <p15:prstTrans prst="fracture"/>
       </p:transition>
     </mc:Choice>
-    <mc:Fallback xmlns="">
+    <mc:Fallback>
       <p:transition spd="slow">
         <p:fade/>
       </p:transition>
@@ -9102,7 +9160,7 @@
           <p:cNvPr id="5" name="Rectangle 2">
             <a:extLst>
               <a:ext uri="{FF2B5EF4-FFF2-40B4-BE49-F238E27FC236}">
-                <a16:creationId xmlns:a16="http://schemas.microsoft.com/office/drawing/2014/main" id="{3B809E12-4205-48B7-8A53-B77D4845DAB5}"/>
+                <a16:creationId xmlns:a16="http://schemas.microsoft.com/office/drawing/2014/main" xmlns="" id="{3B809E12-4205-48B7-8A53-B77D4845DAB5}"/>
               </a:ext>
             </a:extLst>
           </p:cNvPr>
@@ -9130,7 +9188,7 @@
           <a:effectLst/>
           <a:extLst>
             <a:ext uri="{91240B29-F687-4F45-9708-019B960494DF}">
-              <a14:hiddenLine xmlns:a14="http://schemas.microsoft.com/office/drawing/2010/main" w="9525">
+              <a14:hiddenLine xmlns:a14="http://schemas.microsoft.com/office/drawing/2010/main" xmlns="" w="9525">
                 <a:solidFill>
                   <a:schemeClr val="tx1"/>
                 </a:solidFill>
@@ -9140,7 +9198,7 @@
               </a14:hiddenLine>
             </a:ext>
             <a:ext uri="{AF507438-7753-43E0-B8FC-AC1667EBCBE1}">
-              <a14:hiddenEffects xmlns:a14="http://schemas.microsoft.com/office/drawing/2010/main">
+              <a14:hiddenEffects xmlns:a14="http://schemas.microsoft.com/office/drawing/2010/main" xmlns="">
                 <a:effectLst>
                   <a:outerShdw dist="35921" dir="2700000" algn="ctr" rotWithShape="0">
                     <a:schemeClr val="bg2"/>
@@ -9304,6 +9362,19 @@
                 <a:latin typeface="Courier New" panose="02070309020205020404" pitchFamily="49" charset="0"/>
               </a:rPr>
             </a:br>
+            <a:r>
+              <a:rPr kumimoji="0" lang="fr-FR" altLang="fr-FR" sz="3200" b="1" i="0" u="none" strike="noStrike" cap="none" normalizeH="0" baseline="0" dirty="0">
+                <a:ln>
+                  <a:noFill/>
+                </a:ln>
+                <a:solidFill>
+                  <a:schemeClr val="accent2"/>
+                </a:solidFill>
+                <a:effectLst/>
+                <a:latin typeface="Courier New" panose="02070309020205020404" pitchFamily="49" charset="0"/>
+              </a:rPr>
+              <a:t/>
+            </a:r>
             <a:br>
               <a:rPr kumimoji="0" lang="fr-FR" altLang="fr-FR" sz="3200" b="1" i="0" u="none" strike="noStrike" cap="none" normalizeH="0" baseline="0" dirty="0">
                 <a:ln>
@@ -9346,7 +9417,31 @@
                 <a:ea typeface="+mn-ea"/>
                 <a:cs typeface="+mn-cs"/>
               </a:rPr>
-              <a:t> -Instruction de lecture ou d’affichage.</a:t>
+              <a:t> -Instruction </a:t>
+            </a:r>
+            <a:r>
+              <a:rPr lang="fr-FR" altLang="fr-FR" sz="3600" b="1">
+                <a:latin typeface="+mn-lt"/>
+                <a:ea typeface="+mn-ea"/>
+                <a:cs typeface="+mn-cs"/>
+              </a:rPr>
+              <a:t>de </a:t>
+            </a:r>
+            <a:r>
+              <a:rPr lang="fr-FR" altLang="fr-FR" sz="3600" b="1" smtClean="0">
+                <a:latin typeface="+mn-lt"/>
+                <a:ea typeface="+mn-ea"/>
+                <a:cs typeface="+mn-cs"/>
+              </a:rPr>
+              <a:t>lecture.</a:t>
+            </a:r>
+            <a:r>
+              <a:rPr lang="fr-FR" altLang="fr-FR" sz="3600" b="1" dirty="0">
+                <a:latin typeface="+mn-lt"/>
+                <a:ea typeface="+mn-ea"/>
+                <a:cs typeface="+mn-cs"/>
+              </a:rPr>
+              <a:t/>
             </a:r>
             <a:br>
               <a:rPr lang="fr-FR" altLang="fr-FR" sz="3600" b="1" dirty="0">
@@ -9369,7 +9464,7 @@
     </p:spTree>
     <p:extLst>
       <p:ext uri="{BB962C8B-B14F-4D97-AF65-F5344CB8AC3E}">
-        <p14:creationId xmlns:p14="http://schemas.microsoft.com/office/powerpoint/2010/main" val="5736441"/>
+        <p14:creationId xmlns:p14="http://schemas.microsoft.com/office/powerpoint/2010/main" xmlns="" val="5736441"/>
       </p:ext>
     </p:extLst>
   </p:cSld>
@@ -9675,7 +9770,7 @@
     </a:clrScheme>
     <a:fontScheme name="Facette">
       <a:majorFont>
-        <a:latin typeface="Trebuchet MS" panose="020B0603020202020204"/>
+        <a:latin typeface="Trebuchet MS"/>
         <a:ea typeface=""/>
         <a:cs typeface=""/>
         <a:font script="Jpan" typeface="メイリオ"/>
@@ -9710,7 +9805,7 @@
         <a:font script="Geor" typeface="Sylfaen"/>
       </a:majorFont>
       <a:minorFont>
-        <a:latin typeface="Trebuchet MS" panose="020B0603020202020204"/>
+        <a:latin typeface="Trebuchet MS"/>
         <a:ea typeface=""/>
         <a:cs typeface=""/>
         <a:font script="Jpan" typeface="メイリオ"/>
@@ -9883,7 +9978,7 @@
   <a:extraClrSchemeLst/>
   <a:extLst>
     <a:ext uri="{05A4C25C-085E-4340-85A3-A5531E510DB2}">
-      <thm15:themeFamily xmlns:thm15="http://schemas.microsoft.com/office/thememl/2012/main" name="Facet" id="{C0C680CD-088A-49FC-A102-D699147F32B2}" vid="{CFBC31BA-B70F-4F30-BCAA-4F3011E16C4D}"/>
+      <thm15:themeFamily xmlns:thm15="http://schemas.microsoft.com/office/thememl/2012/main" xmlns="" name="Facet" id="{C0C680CD-088A-49FC-A102-D699147F32B2}" vid="{CFBC31BA-B70F-4F30-BCAA-4F3011E16C4D}"/>
     </a:ext>
   </a:extLst>
 </a:theme>
